--- a/컴퓨터비전_5팀_Final Project.pptx
+++ b/컴퓨터비전_5팀_Final Project.pptx
@@ -133,6 +133,43 @@
 </p:presentation>
 </file>
 
+<file path=ppt/revisionInfo.xml><?xml version="1.0" encoding="utf-8"?>
+<p1510:revInfo xmlns:a="http://schemas.openxmlformats.org/drawingml/2006/main" xmlns:r="http://schemas.openxmlformats.org/officeDocument/2006/relationships" xmlns:p1510="http://schemas.microsoft.com/office/powerpoint/2015/10/main">
+  <p1510:revLst>
+    <p1510:client id="{07266A21-1DB9-4E26-95EE-D80D7A06677A}" v="2" dt="2023-06-20T15:13:10.871"/>
+  </p1510:revLst>
+</p1510:revInfo>
+</file>
+
+<file path=ppt/changesInfos/changesInfo1.xml><?xml version="1.0" encoding="utf-8"?>
+<pc:chgInfo xmlns:a="http://schemas.openxmlformats.org/drawingml/2006/main" xmlns:r="http://schemas.openxmlformats.org/officeDocument/2006/relationships" xmlns:ac="http://schemas.microsoft.com/office/drawing/2013/main/command" xmlns:pc="http://schemas.microsoft.com/office/powerpoint/2013/main/command">
+  <pc:docChgLst>
+    <pc:chgData name="이동인" userId="2ea79c4a-f6de-4719-99ad-eeb79dc3154a" providerId="ADAL" clId="{07266A21-1DB9-4E26-95EE-D80D7A06677A}"/>
+    <pc:docChg chg="modSld">
+      <pc:chgData name="이동인" userId="2ea79c4a-f6de-4719-99ad-eeb79dc3154a" providerId="ADAL" clId="{07266A21-1DB9-4E26-95EE-D80D7A06677A}" dt="2023-06-20T15:13:18.935" v="22" actId="20577"/>
+      <pc:docMkLst>
+        <pc:docMk/>
+      </pc:docMkLst>
+      <pc:sldChg chg="modSp mod">
+        <pc:chgData name="이동인" userId="2ea79c4a-f6de-4719-99ad-eeb79dc3154a" providerId="ADAL" clId="{07266A21-1DB9-4E26-95EE-D80D7A06677A}" dt="2023-06-20T15:13:18.935" v="22" actId="20577"/>
+        <pc:sldMkLst>
+          <pc:docMk/>
+          <pc:sldMk cId="2055341287" sldId="256"/>
+        </pc:sldMkLst>
+        <pc:spChg chg="mod">
+          <ac:chgData name="이동인" userId="2ea79c4a-f6de-4719-99ad-eeb79dc3154a" providerId="ADAL" clId="{07266A21-1DB9-4E26-95EE-D80D7A06677A}" dt="2023-06-20T15:13:18.935" v="22" actId="20577"/>
+          <ac:spMkLst>
+            <pc:docMk/>
+            <pc:sldMk cId="2055341287" sldId="256"/>
+            <ac:spMk id="4" creationId="{C3C1376D-C2F7-4662-5E25-926373728298}"/>
+          </ac:spMkLst>
+        </pc:spChg>
+      </pc:sldChg>
+    </pc:docChg>
+  </pc:docChgLst>
+</pc:chgInfo>
+</file>
+
 <file path=ppt/notesMasters/notesMaster1.xml><?xml version="1.0" encoding="utf-8"?>
 <p:notesMaster xmlns:a="http://schemas.openxmlformats.org/drawingml/2006/main" xmlns:r="http://schemas.openxmlformats.org/officeDocument/2006/relationships" xmlns:p="http://schemas.openxmlformats.org/presentationml/2006/main">
   <p:cSld>
@@ -215,7 +252,7 @@
           <a:p>
             <a:fld id="{25A0A6DB-BCAE-4361-9244-977D9579F82A}" type="datetimeFigureOut">
               <a:rPr lang="ko-KR" altLang="en-US" smtClean="0"/>
-              <a:t>2023-06-20</a:t>
+              <a:t>2023-06-21</a:t>
             </a:fld>
             <a:endParaRPr lang="ko-KR" altLang="en-US"/>
           </a:p>
@@ -629,7 +666,7 @@
           <a:p>
             <a:fld id="{B8245ECD-1000-425B-903B-55ABDDE3219A}" type="datetime1">
               <a:rPr lang="ko-KR" altLang="en-US" smtClean="0"/>
-              <a:t>2023-06-20</a:t>
+              <a:t>2023-06-21</a:t>
             </a:fld>
             <a:endParaRPr lang="ko-KR" altLang="en-US"/>
           </a:p>
@@ -827,7 +864,7 @@
           <a:p>
             <a:fld id="{48CFE0E7-0FA9-4398-A1A6-3D733D0B725E}" type="datetime1">
               <a:rPr lang="ko-KR" altLang="en-US" smtClean="0"/>
-              <a:t>2023-06-20</a:t>
+              <a:t>2023-06-21</a:t>
             </a:fld>
             <a:endParaRPr lang="ko-KR" altLang="en-US"/>
           </a:p>
@@ -1035,7 +1072,7 @@
           <a:p>
             <a:fld id="{7044FF6D-17C3-477A-96A8-B56F65D28221}" type="datetime1">
               <a:rPr lang="ko-KR" altLang="en-US" smtClean="0"/>
-              <a:t>2023-06-20</a:t>
+              <a:t>2023-06-21</a:t>
             </a:fld>
             <a:endParaRPr lang="ko-KR" altLang="en-US"/>
           </a:p>
@@ -1233,7 +1270,7 @@
           <a:p>
             <a:fld id="{04E1140C-D97E-4907-97D1-96D1EE4256A9}" type="datetime1">
               <a:rPr lang="ko-KR" altLang="en-US" smtClean="0"/>
-              <a:t>2023-06-20</a:t>
+              <a:t>2023-06-21</a:t>
             </a:fld>
             <a:endParaRPr lang="ko-KR" altLang="en-US"/>
           </a:p>
@@ -1508,7 +1545,7 @@
           <a:p>
             <a:fld id="{D82B26B4-8FD2-493B-A47D-A30BBFCF1509}" type="datetime1">
               <a:rPr lang="ko-KR" altLang="en-US" smtClean="0"/>
-              <a:t>2023-06-20</a:t>
+              <a:t>2023-06-21</a:t>
             </a:fld>
             <a:endParaRPr lang="ko-KR" altLang="en-US"/>
           </a:p>
@@ -1773,7 +1810,7 @@
           <a:p>
             <a:fld id="{EE94AC59-A29B-4DE3-85B4-12A9D80C5A27}" type="datetime1">
               <a:rPr lang="ko-KR" altLang="en-US" smtClean="0"/>
-              <a:t>2023-06-20</a:t>
+              <a:t>2023-06-21</a:t>
             </a:fld>
             <a:endParaRPr lang="ko-KR" altLang="en-US"/>
           </a:p>
@@ -2185,7 +2222,7 @@
           <a:p>
             <a:fld id="{EBFFDAE9-26E9-460A-A799-9C1F1E73F695}" type="datetime1">
               <a:rPr lang="ko-KR" altLang="en-US" smtClean="0"/>
-              <a:t>2023-06-20</a:t>
+              <a:t>2023-06-21</a:t>
             </a:fld>
             <a:endParaRPr lang="ko-KR" altLang="en-US"/>
           </a:p>
@@ -2326,7 +2363,7 @@
           <a:p>
             <a:fld id="{59D29EA4-9D03-4B35-A275-A07B897FBB67}" type="datetime1">
               <a:rPr lang="ko-KR" altLang="en-US" smtClean="0"/>
-              <a:t>2023-06-20</a:t>
+              <a:t>2023-06-21</a:t>
             </a:fld>
             <a:endParaRPr lang="ko-KR" altLang="en-US"/>
           </a:p>
@@ -2439,7 +2476,7 @@
           <a:p>
             <a:fld id="{DEFB2856-7B5A-44FD-975E-5E348D649D61}" type="datetime1">
               <a:rPr lang="ko-KR" altLang="en-US" smtClean="0"/>
-              <a:t>2023-06-20</a:t>
+              <a:t>2023-06-21</a:t>
             </a:fld>
             <a:endParaRPr lang="ko-KR" altLang="en-US"/>
           </a:p>
@@ -2750,7 +2787,7 @@
           <a:p>
             <a:fld id="{B01F2093-9BCE-4F5F-B16D-50962E84E66A}" type="datetime1">
               <a:rPr lang="ko-KR" altLang="en-US" smtClean="0"/>
-              <a:t>2023-06-20</a:t>
+              <a:t>2023-06-21</a:t>
             </a:fld>
             <a:endParaRPr lang="ko-KR" altLang="en-US"/>
           </a:p>
@@ -3038,7 +3075,7 @@
           <a:p>
             <a:fld id="{F23764BD-D21C-459E-86A3-310A81DFD640}" type="datetime1">
               <a:rPr lang="ko-KR" altLang="en-US" smtClean="0"/>
-              <a:t>2023-06-20</a:t>
+              <a:t>2023-06-21</a:t>
             </a:fld>
             <a:endParaRPr lang="ko-KR" altLang="en-US"/>
           </a:p>
@@ -3279,7 +3316,7 @@
           <a:p>
             <a:fld id="{D4E30DDD-7D60-4794-ABC2-D68B187EA287}" type="datetime1">
               <a:rPr lang="ko-KR" altLang="en-US" smtClean="0"/>
-              <a:t>2023-06-20</a:t>
+              <a:t>2023-06-21</a:t>
             </a:fld>
             <a:endParaRPr lang="ko-KR" altLang="en-US"/>
           </a:p>
@@ -3805,8 +3842,8 @@
           <a:p>
             <a:pPr algn="ctr"/>
             <a:r>
-              <a:rPr lang="ko-KR" altLang="en-US" sz="1400" dirty="0"/>
-              <a:t>컴퓨터전자시스템공학과</a:t>
+              <a:rPr lang="ko-KR" altLang="en-US" sz="1400" dirty="0" err="1"/>
+              <a:t>컴퓨터전자시스템공학부</a:t>
             </a:r>
             <a:r>
               <a:rPr lang="en-US" altLang="ko-KR" sz="1400" dirty="0"/>
@@ -3821,8 +3858,8 @@
           <a:p>
             <a:pPr algn="ctr"/>
             <a:r>
-              <a:rPr lang="ko-KR" altLang="en-US" sz="1400" dirty="0"/>
-              <a:t>컴퓨터전자시스템공학과</a:t>
+              <a:rPr lang="ko-KR" altLang="en-US" sz="1400" dirty="0" err="1"/>
+              <a:t>컴퓨터전자시스템공학부</a:t>
             </a:r>
             <a:r>
               <a:rPr lang="en-US" altLang="ko-KR" sz="1400" dirty="0"/>
@@ -3837,8 +3874,8 @@
           <a:p>
             <a:pPr algn="ctr"/>
             <a:r>
-              <a:rPr lang="ko-KR" altLang="en-US" sz="1400" dirty="0"/>
-              <a:t>컴퓨터전자시스템공학과</a:t>
+              <a:rPr lang="ko-KR" altLang="en-US" sz="1400" dirty="0" err="1"/>
+              <a:t>컴퓨터전자시스템공학부</a:t>
             </a:r>
             <a:r>
               <a:rPr lang="en-US" altLang="ko-KR" sz="1400" dirty="0"/>
@@ -3846,7 +3883,7 @@
             </a:r>
             <a:r>
               <a:rPr lang="ko-KR" altLang="en-US" sz="1400" dirty="0"/>
-              <a:t>이동민</a:t>
+              <a:t>이동인</a:t>
             </a:r>
             <a:endParaRPr lang="en-US" altLang="ko-KR" sz="1400" dirty="0"/>
           </a:p>
